--- a/AICTE PPT Template.pptx
+++ b/AICTE PPT Template.pptx
@@ -218,7 +218,7 @@
           <a:p>
             <a:fld id="{46256A78-79A6-408F-8148-4F87BB81602D}" type="datetimeFigureOut">
               <a:rPr lang="en-IN" smtClean="0"/>
-              <a:t>21-02-2025</a:t>
+              <a:t>22-02-2025</a:t>
             </a:fld>
             <a:endParaRPr lang="en-IN"/>
           </a:p>
@@ -486,6 +486,90 @@
 </p:notesMaster>
 </file>
 
+<file path=ppt/notesSlides/notesSlide1.xml><?xml version="1.0" encoding="utf-8"?>
+<p:notes xmlns:a="http://schemas.openxmlformats.org/drawingml/2006/main" xmlns:r="http://schemas.openxmlformats.org/officeDocument/2006/relationships" xmlns:p="http://schemas.openxmlformats.org/presentationml/2006/main">
+  <p:cSld>
+    <p:spTree>
+      <p:nvGrpSpPr>
+        <p:cNvPr id="1" name=""/>
+        <p:cNvGrpSpPr/>
+        <p:nvPr/>
+      </p:nvGrpSpPr>
+      <p:grpSpPr>
+        <a:xfrm>
+          <a:off x="0" y="0"/>
+          <a:ext cx="0" cy="0"/>
+          <a:chOff x="0" y="0"/>
+          <a:chExt cx="0" cy="0"/>
+        </a:xfrm>
+      </p:grpSpPr>
+      <p:sp>
+        <p:nvSpPr>
+          <p:cNvPr id="2" name="Slide Image Placeholder 1"/>
+          <p:cNvSpPr>
+            <a:spLocks noGrp="1" noRot="1" noChangeAspect="1"/>
+          </p:cNvSpPr>
+          <p:nvPr>
+            <p:ph type="sldImg"/>
+          </p:nvPr>
+        </p:nvSpPr>
+        <p:spPr/>
+      </p:sp>
+      <p:sp>
+        <p:nvSpPr>
+          <p:cNvPr id="3" name="Notes Placeholder 2"/>
+          <p:cNvSpPr>
+            <a:spLocks noGrp="1"/>
+          </p:cNvSpPr>
+          <p:nvPr>
+            <p:ph type="body" idx="1"/>
+          </p:nvPr>
+        </p:nvSpPr>
+        <p:spPr/>
+        <p:txBody>
+          <a:bodyPr/>
+          <a:lstStyle/>
+          <a:p>
+            <a:endParaRPr lang="en-IN" dirty="0"/>
+          </a:p>
+        </p:txBody>
+      </p:sp>
+      <p:sp>
+        <p:nvSpPr>
+          <p:cNvPr id="4" name="Slide Number Placeholder 3"/>
+          <p:cNvSpPr>
+            <a:spLocks noGrp="1"/>
+          </p:cNvSpPr>
+          <p:nvPr>
+            <p:ph type="sldNum" sz="quarter" idx="5"/>
+          </p:nvPr>
+        </p:nvSpPr>
+        <p:spPr/>
+        <p:txBody>
+          <a:bodyPr/>
+          <a:lstStyle/>
+          <a:p>
+            <a:fld id="{17E254F1-4415-47BF-9E91-C5D4B9A33350}" type="slidenum">
+              <a:rPr lang="en-IN" smtClean="0"/>
+              <a:t>7</a:t>
+            </a:fld>
+            <a:endParaRPr lang="en-IN"/>
+          </a:p>
+        </p:txBody>
+      </p:sp>
+    </p:spTree>
+    <p:extLst>
+      <p:ext uri="{BB962C8B-B14F-4D97-AF65-F5344CB8AC3E}">
+        <p14:creationId xmlns:p14="http://schemas.microsoft.com/office/powerpoint/2010/main" val="1728908196"/>
+      </p:ext>
+    </p:extLst>
+  </p:cSld>
+  <p:clrMapOvr>
+    <a:masterClrMapping/>
+  </p:clrMapOvr>
+</p:notes>
+</file>
+
 <file path=ppt/slideLayouts/slideLayout1.xml><?xml version="1.0" encoding="utf-8"?>
 <p:sldLayout xmlns:a="http://schemas.openxmlformats.org/drawingml/2006/main" xmlns:r="http://schemas.openxmlformats.org/officeDocument/2006/relationships" xmlns:p="http://schemas.openxmlformats.org/presentationml/2006/main" type="title" preserve="1">
   <p:cSld name="Title Slide">
@@ -722,7 +806,7 @@
           <a:p>
             <a:fld id="{ED291B17-9318-49DB-B28B-6E5994AE9581}" type="datetime1">
               <a:rPr lang="en-US" smtClean="0"/>
-              <a:t>2/21/2025</a:t>
+              <a:t>2/22/2025</a:t>
             </a:fld>
             <a:endParaRPr lang="en-US"/>
           </a:p>
@@ -931,7 +1015,7 @@
           <a:p>
             <a:fld id="{2CED4963-E985-44C4-B8C4-FDD613B7C2F8}" type="datetime1">
               <a:rPr lang="en-US" smtClean="0"/>
-              <a:t>2/21/2025</a:t>
+              <a:t>2/22/2025</a:t>
             </a:fld>
             <a:endParaRPr lang="en-US"/>
           </a:p>
@@ -1299,7 +1383,7 @@
           <a:p>
             <a:fld id="{ED291B17-9318-49DB-B28B-6E5994AE9581}" type="datetime1">
               <a:rPr lang="en-US" smtClean="0"/>
-              <a:t>2/21/2025</a:t>
+              <a:t>2/22/2025</a:t>
             </a:fld>
             <a:endParaRPr lang="en-US"/>
           </a:p>
@@ -1503,7 +1587,7 @@
           <a:p>
             <a:fld id="{78DD82B9-B8EE-4375-B6FF-88FA6ABB15D9}" type="datetime1">
               <a:rPr lang="en-US" smtClean="0"/>
-              <a:t>2/21/2025</a:t>
+              <a:t>2/22/2025</a:t>
             </a:fld>
             <a:endParaRPr lang="en-US"/>
           </a:p>
@@ -1760,7 +1844,7 @@
           <a:p>
             <a:fld id="{B2497495-0637-405E-AE64-5CC7506D51F5}" type="datetime1">
               <a:rPr lang="en-US" smtClean="0"/>
-              <a:t>2/21/2025</a:t>
+              <a:t>2/22/2025</a:t>
             </a:fld>
             <a:endParaRPr lang="en-US"/>
           </a:p>
@@ -2018,7 +2102,7 @@
           <a:p>
             <a:fld id="{7BFFD690-9426-415D-8B65-26881E07B2D4}" type="datetime1">
               <a:rPr lang="en-US" smtClean="0"/>
-              <a:t>2/21/2025</a:t>
+              <a:t>2/22/2025</a:t>
             </a:fld>
             <a:endParaRPr lang="en-US"/>
           </a:p>
@@ -2445,7 +2529,7 @@
           <a:p>
             <a:fld id="{04C4989A-474C-40DE-95B9-011C28B71673}" type="datetime1">
               <a:rPr lang="en-US" smtClean="0"/>
-              <a:t>2/21/2025</a:t>
+              <a:t>2/22/2025</a:t>
             </a:fld>
             <a:endParaRPr lang="en-US"/>
           </a:p>
@@ -2575,7 +2659,7 @@
           <a:p>
             <a:fld id="{5DB4ED54-5B5E-4A04-93D3-5772E3CE3818}" type="datetime1">
               <a:rPr lang="en-US" smtClean="0"/>
-              <a:t>2/21/2025</a:t>
+              <a:t>2/22/2025</a:t>
             </a:fld>
             <a:endParaRPr lang="en-US"/>
           </a:p>
@@ -2678,7 +2762,7 @@
           <a:p>
             <a:fld id="{4EDE50D6-574B-40AF-946F-D52A04ADE379}" type="datetime1">
               <a:rPr lang="en-US" smtClean="0"/>
-              <a:t>2/21/2025</a:t>
+              <a:t>2/22/2025</a:t>
             </a:fld>
             <a:endParaRPr lang="en-US"/>
           </a:p>
@@ -3061,7 +3145,7 @@
           <a:p>
             <a:fld id="{D82884F1-FFEA-405F-9602-3DCA865EDA4E}" type="datetime1">
               <a:rPr lang="en-US" smtClean="0"/>
-              <a:t>2/21/2025</a:t>
+              <a:t>2/22/2025</a:t>
             </a:fld>
             <a:endParaRPr lang="en-US"/>
           </a:p>
@@ -3355,7 +3439,7 @@
           <a:p>
             <a:fld id="{7E18DB4A-8810-4A10-AD5C-D5E2C667F5B3}" type="datetime1">
               <a:rPr lang="en-US" smtClean="0"/>
-              <a:t>2/21/2025</a:t>
+              <a:t>2/22/2025</a:t>
             </a:fld>
             <a:endParaRPr lang="en-US"/>
           </a:p>
@@ -3576,7 +3660,7 @@
           <a:p>
             <a:fld id="{ED291B17-9318-49DB-B28B-6E5994AE9581}" type="datetime1">
               <a:rPr lang="en-US" smtClean="0"/>
-              <a:t>2/21/2025</a:t>
+              <a:t>2/22/2025</a:t>
             </a:fld>
             <a:endParaRPr lang="en-US"/>
           </a:p>
@@ -5662,34 +5746,176 @@
           </a:p>
         </p:txBody>
       </p:sp>
-      <p:sp>
-        <p:nvSpPr>
-          <p:cNvPr id="3" name="Content Placeholder 2">
+      <p:pic>
+        <p:nvPicPr>
+          <p:cNvPr id="9" name="Content Placeholder 8">
             <a:extLst>
               <a:ext uri="{FF2B5EF4-FFF2-40B4-BE49-F238E27FC236}">
-                <a16:creationId xmlns:a16="http://schemas.microsoft.com/office/drawing/2014/main" id="{805D7125-AC62-752D-6E68-9EB88BCC631C}"/>
+                <a16:creationId xmlns:a16="http://schemas.microsoft.com/office/drawing/2014/main" id="{F8A93D6E-0A4C-1256-6AC9-1B900870E0CE}"/>
               </a:ext>
             </a:extLst>
           </p:cNvPr>
-          <p:cNvSpPr>
-            <a:spLocks noGrp="1"/>
-          </p:cNvSpPr>
+          <p:cNvPicPr>
+            <a:picLocks noGrp="1" noChangeAspect="1"/>
+          </p:cNvPicPr>
           <p:nvPr>
             <p:ph idx="1"/>
           </p:nvPr>
-        </p:nvSpPr>
-        <p:spPr/>
-        <p:txBody>
-          <a:bodyPr/>
-          <a:lstStyle/>
-          <a:p>
-            <a:r>
-              <a:rPr lang="en-IN" dirty="0"/>
-              <a:t>Screenshots of the outcome (min 3)</a:t>
-            </a:r>
-          </a:p>
-        </p:txBody>
-      </p:sp>
+        </p:nvPicPr>
+        <p:blipFill>
+          <a:blip r:embed="rId3"/>
+          <a:stretch>
+            <a:fillRect/>
+          </a:stretch>
+        </p:blipFill>
+        <p:spPr>
+          <a:xfrm>
+            <a:off x="6232883" y="1315730"/>
+            <a:ext cx="5357493" cy="2701635"/>
+          </a:xfrm>
+          <a:prstGeom prst="rect">
+            <a:avLst/>
+          </a:prstGeom>
+          <a:ln w="190500" cap="sq">
+            <a:solidFill>
+              <a:srgbClr val="C8C6BD"/>
+            </a:solidFill>
+            <a:prstDash val="solid"/>
+            <a:miter lim="800000"/>
+          </a:ln>
+          <a:effectLst>
+            <a:outerShdw blurRad="254000" algn="bl" rotWithShape="0">
+              <a:srgbClr val="000000">
+                <a:alpha val="43000"/>
+              </a:srgbClr>
+            </a:outerShdw>
+          </a:effectLst>
+          <a:scene3d>
+            <a:camera prst="perspectiveFront" fov="5400000"/>
+            <a:lightRig rig="threePt" dir="t">
+              <a:rot lat="0" lon="0" rev="2100000"/>
+            </a:lightRig>
+          </a:scene3d>
+          <a:sp3d extrusionH="25400">
+            <a:bevelT w="304800" h="152400" prst="hardEdge"/>
+            <a:extrusionClr>
+              <a:srgbClr val="000000"/>
+            </a:extrusionClr>
+          </a:sp3d>
+        </p:spPr>
+      </p:pic>
+      <p:pic>
+        <p:nvPicPr>
+          <p:cNvPr id="5" name="Picture 4">
+            <a:extLst>
+              <a:ext uri="{FF2B5EF4-FFF2-40B4-BE49-F238E27FC236}">
+                <a16:creationId xmlns:a16="http://schemas.microsoft.com/office/drawing/2014/main" id="{88DB7F8B-5357-E395-EA53-F57CAFA2DBBA}"/>
+              </a:ext>
+            </a:extLst>
+          </p:cNvPr>
+          <p:cNvPicPr>
+            <a:picLocks noChangeAspect="1"/>
+          </p:cNvPicPr>
+          <p:nvPr/>
+        </p:nvPicPr>
+        <p:blipFill>
+          <a:blip r:embed="rId4"/>
+          <a:stretch>
+            <a:fillRect/>
+          </a:stretch>
+        </p:blipFill>
+        <p:spPr>
+          <a:xfrm>
+            <a:off x="581191" y="1315730"/>
+            <a:ext cx="5535242" cy="5542269"/>
+          </a:xfrm>
+          <a:prstGeom prst="rect">
+            <a:avLst/>
+          </a:prstGeom>
+          <a:ln w="190500" cap="sq">
+            <a:solidFill>
+              <a:srgbClr val="C8C6BD"/>
+            </a:solidFill>
+            <a:prstDash val="solid"/>
+            <a:miter lim="800000"/>
+          </a:ln>
+          <a:effectLst>
+            <a:outerShdw blurRad="254000" algn="bl" rotWithShape="0">
+              <a:srgbClr val="000000">
+                <a:alpha val="43000"/>
+              </a:srgbClr>
+            </a:outerShdw>
+          </a:effectLst>
+          <a:scene3d>
+            <a:camera prst="perspectiveFront" fov="5400000"/>
+            <a:lightRig rig="threePt" dir="t">
+              <a:rot lat="0" lon="0" rev="2100000"/>
+            </a:lightRig>
+          </a:scene3d>
+          <a:sp3d extrusionH="25400">
+            <a:bevelT w="304800" h="152400" prst="hardEdge"/>
+            <a:extrusionClr>
+              <a:srgbClr val="000000"/>
+            </a:extrusionClr>
+          </a:sp3d>
+        </p:spPr>
+      </p:pic>
+      <p:pic>
+        <p:nvPicPr>
+          <p:cNvPr id="7" name="Picture 6">
+            <a:extLst>
+              <a:ext uri="{FF2B5EF4-FFF2-40B4-BE49-F238E27FC236}">
+                <a16:creationId xmlns:a16="http://schemas.microsoft.com/office/drawing/2014/main" id="{17E013AE-64F3-194F-346E-79EBDA65EA6D}"/>
+              </a:ext>
+            </a:extLst>
+          </p:cNvPr>
+          <p:cNvPicPr>
+            <a:picLocks noChangeAspect="1"/>
+          </p:cNvPicPr>
+          <p:nvPr/>
+        </p:nvPicPr>
+        <p:blipFill>
+          <a:blip r:embed="rId5"/>
+          <a:stretch>
+            <a:fillRect/>
+          </a:stretch>
+        </p:blipFill>
+        <p:spPr>
+          <a:xfrm>
+            <a:off x="6253315" y="4017365"/>
+            <a:ext cx="5357493" cy="2840635"/>
+          </a:xfrm>
+          <a:prstGeom prst="rect">
+            <a:avLst/>
+          </a:prstGeom>
+          <a:ln w="190500" cap="sq">
+            <a:solidFill>
+              <a:srgbClr val="C8C6BD"/>
+            </a:solidFill>
+            <a:prstDash val="solid"/>
+            <a:miter lim="800000"/>
+          </a:ln>
+          <a:effectLst>
+            <a:outerShdw blurRad="254000" algn="bl" rotWithShape="0">
+              <a:srgbClr val="000000">
+                <a:alpha val="43000"/>
+              </a:srgbClr>
+            </a:outerShdw>
+          </a:effectLst>
+          <a:scene3d>
+            <a:camera prst="perspectiveFront" fov="5400000"/>
+            <a:lightRig rig="threePt" dir="t">
+              <a:rot lat="0" lon="0" rev="2100000"/>
+            </a:lightRig>
+          </a:scene3d>
+          <a:sp3d extrusionH="25400">
+            <a:bevelT w="304800" h="152400" prst="hardEdge"/>
+            <a:extrusionClr>
+              <a:srgbClr val="000000"/>
+            </a:extrusionClr>
+          </a:sp3d>
+        </p:spPr>
+      </p:pic>
     </p:spTree>
     <p:extLst>
       <p:ext uri="{BB962C8B-B14F-4D97-AF65-F5344CB8AC3E}">
@@ -6465,20 +6691,20 @@
 </file>
 
 <file path=customXml/item1.xml><?xml version="1.0" encoding="utf-8"?>
+<p:properties xmlns:p="http://schemas.microsoft.com/office/2006/metadata/properties" xmlns:xsi="http://www.w3.org/2001/XMLSchema-instance" xmlns:pc="http://schemas.microsoft.com/office/infopath/2007/PartnerControls">
+  <documentManagement>
+    <_activity xmlns="b30265f8-c5e2-4918-b4a1-b977299ca3e2" xsi:nil="true"/>
+  </documentManagement>
+</p:properties>
+</file>
+
+<file path=customXml/item2.xml><?xml version="1.0" encoding="utf-8"?>
 <?mso-contentType ?>
 <FormTemplates xmlns="http://schemas.microsoft.com/sharepoint/v3/contenttype/forms">
   <Display>DocumentLibraryForm</Display>
   <Edit>DocumentLibraryForm</Edit>
   <New>DocumentLibraryForm</New>
 </FormTemplates>
-</file>
-
-<file path=customXml/item2.xml><?xml version="1.0" encoding="utf-8"?>
-<p:properties xmlns:p="http://schemas.microsoft.com/office/2006/metadata/properties" xmlns:xsi="http://www.w3.org/2001/XMLSchema-instance" xmlns:pc="http://schemas.microsoft.com/office/infopath/2007/PartnerControls">
-  <documentManagement>
-    <_activity xmlns="b30265f8-c5e2-4918-b4a1-b977299ca3e2" xsi:nil="true"/>
-  </documentManagement>
-</p:properties>
 </file>
 
 <file path=customXml/item3.xml><?xml version="1.0" encoding="utf-8"?>
@@ -6715,14 +6941,6 @@
 </file>
 
 <file path=customXml/itemProps1.xml><?xml version="1.0" encoding="utf-8"?>
-<ds:datastoreItem xmlns:ds="http://schemas.openxmlformats.org/officeDocument/2006/customXml" ds:itemID="{927BD4C1-B6B1-4715-ABF9-E660A51A4EA0}">
-  <ds:schemaRefs>
-    <ds:schemaRef ds:uri="http://schemas.microsoft.com/sharepoint/v3/contenttype/forms"/>
-  </ds:schemaRefs>
-</ds:datastoreItem>
-</file>
-
-<file path=customXml/itemProps2.xml><?xml version="1.0" encoding="utf-8"?>
 <ds:datastoreItem xmlns:ds="http://schemas.openxmlformats.org/officeDocument/2006/customXml" ds:itemID="{8D289AE2-D2AE-49D1-AFAC-3A79F6794255}">
   <ds:schemaRefs>
     <ds:schemaRef ds:uri="http://schemas.openxmlformats.org/package/2006/metadata/core-properties"/>
@@ -6735,6 +6953,14 @@
     <ds:schemaRef ds:uri="http://purl.org/dc/terms/"/>
     <ds:schemaRef ds:uri="b30265f8-c5e2-4918-b4a1-b977299ca3e2"/>
     <ds:schemaRef ds:uri="http://www.w3.org/XML/1998/namespace"/>
+  </ds:schemaRefs>
+</ds:datastoreItem>
+</file>
+
+<file path=customXml/itemProps2.xml><?xml version="1.0" encoding="utf-8"?>
+<ds:datastoreItem xmlns:ds="http://schemas.openxmlformats.org/officeDocument/2006/customXml" ds:itemID="{927BD4C1-B6B1-4715-ABF9-E660A51A4EA0}">
+  <ds:schemaRefs>
+    <ds:schemaRef ds:uri="http://schemas.microsoft.com/sharepoint/v3/contenttype/forms"/>
   </ds:schemaRefs>
 </ds:datastoreItem>
 </file>
